--- a/Class_3.pptx
+++ b/Class_3.pptx
@@ -5,7 +5,7 @@
     <p:sldMasterId id="2147483660" r:id="rId1"/>
   </p:sldMasterIdLst>
   <p:notesMasterIdLst>
-    <p:notesMasterId r:id="rId18"/>
+    <p:notesMasterId r:id="rId20"/>
   </p:notesMasterIdLst>
   <p:sldIdLst>
     <p:sldId id="256" r:id="rId2"/>
@@ -24,6 +24,8 @@
     <p:sldId id="270" r:id="rId15"/>
     <p:sldId id="269" r:id="rId16"/>
     <p:sldId id="271" r:id="rId17"/>
+    <p:sldId id="273" r:id="rId18"/>
+    <p:sldId id="272" r:id="rId19"/>
   </p:sldIdLst>
   <p:sldSz cx="12192000" cy="6858000"/>
   <p:notesSz cx="6858000" cy="9144000"/>
@@ -4173,6 +4175,13 @@
               <a:rPr lang="en-US" dirty="0" smtClean="0"/>
               <a:t>Widgets</a:t>
             </a:r>
+            <a:br>
+              <a:rPr lang="en-US" dirty="0" smtClean="0"/>
+            </a:br>
+            <a:r>
+              <a:rPr lang="en-US" dirty="0" smtClean="0"/>
+              <a:t>&amp; Reactivity</a:t>
+            </a:r>
             <a:endParaRPr lang="en-US" dirty="0"/>
           </a:p>
         </p:txBody>
@@ -5119,6 +5128,155 @@
     <p:extLst>
       <p:ext uri="{BB962C8B-B14F-4D97-AF65-F5344CB8AC3E}">
         <p14:creationId xmlns:p14="http://schemas.microsoft.com/office/powerpoint/2010/main" val="491726331"/>
+      </p:ext>
+    </p:extLst>
+  </p:cSld>
+  <p:clrMapOvr>
+    <a:masterClrMapping/>
+  </p:clrMapOvr>
+</p:sld>
+</file>
+
+<file path=ppt/slides/slide17.xml><?xml version="1.0" encoding="utf-8"?>
+<p:sld xmlns:a="http://schemas.openxmlformats.org/drawingml/2006/main" xmlns:r="http://schemas.openxmlformats.org/officeDocument/2006/relationships" xmlns:p="http://schemas.openxmlformats.org/presentationml/2006/main">
+  <p:cSld>
+    <p:spTree>
+      <p:nvGrpSpPr>
+        <p:cNvPr id="1" name=""/>
+        <p:cNvGrpSpPr/>
+        <p:nvPr/>
+      </p:nvGrpSpPr>
+      <p:grpSpPr>
+        <a:xfrm>
+          <a:off x="0" y="0"/>
+          <a:ext cx="0" cy="0"/>
+          <a:chOff x="0" y="0"/>
+          <a:chExt cx="0" cy="0"/>
+        </a:xfrm>
+      </p:grpSpPr>
+      <p:sp>
+        <p:nvSpPr>
+          <p:cNvPr id="2" name="Title 1"/>
+          <p:cNvSpPr>
+            <a:spLocks noGrp="1"/>
+          </p:cNvSpPr>
+          <p:nvPr>
+            <p:ph type="title"/>
+          </p:nvPr>
+        </p:nvSpPr>
+        <p:spPr/>
+        <p:txBody>
+          <a:bodyPr/>
+          <a:lstStyle/>
+          <a:p>
+            <a:r>
+              <a:rPr lang="en-US" dirty="0" smtClean="0"/>
+              <a:t>reactive</a:t>
+            </a:r>
+            <a:endParaRPr lang="en-US" dirty="0"/>
+          </a:p>
+        </p:txBody>
+      </p:sp>
+      <p:pic>
+        <p:nvPicPr>
+          <p:cNvPr id="4" name="Picture 3"/>
+          <p:cNvPicPr>
+            <a:picLocks noChangeAspect="1"/>
+          </p:cNvPicPr>
+          <p:nvPr/>
+        </p:nvPicPr>
+        <p:blipFill>
+          <a:blip r:embed="rId2"/>
+          <a:stretch>
+            <a:fillRect/>
+          </a:stretch>
+        </p:blipFill>
+        <p:spPr>
+          <a:xfrm>
+            <a:off x="1826161" y="1877093"/>
+            <a:ext cx="3251200" cy="3251200"/>
+          </a:xfrm>
+          <a:prstGeom prst="rect">
+            <a:avLst/>
+          </a:prstGeom>
+        </p:spPr>
+      </p:pic>
+    </p:spTree>
+    <p:extLst>
+      <p:ext uri="{BB962C8B-B14F-4D97-AF65-F5344CB8AC3E}">
+        <p14:creationId xmlns:p14="http://schemas.microsoft.com/office/powerpoint/2010/main" val="452759636"/>
+      </p:ext>
+    </p:extLst>
+  </p:cSld>
+  <p:clrMapOvr>
+    <a:masterClrMapping/>
+  </p:clrMapOvr>
+</p:sld>
+</file>
+
+<file path=ppt/slides/slide18.xml><?xml version="1.0" encoding="utf-8"?>
+<p:sld xmlns:a="http://schemas.openxmlformats.org/drawingml/2006/main" xmlns:r="http://schemas.openxmlformats.org/officeDocument/2006/relationships" xmlns:p="http://schemas.openxmlformats.org/presentationml/2006/main">
+  <p:cSld>
+    <p:spTree>
+      <p:nvGrpSpPr>
+        <p:cNvPr id="1" name=""/>
+        <p:cNvGrpSpPr/>
+        <p:nvPr/>
+      </p:nvGrpSpPr>
+      <p:grpSpPr>
+        <a:xfrm>
+          <a:off x="0" y="0"/>
+          <a:ext cx="0" cy="0"/>
+          <a:chOff x="0" y="0"/>
+          <a:chExt cx="0" cy="0"/>
+        </a:xfrm>
+      </p:grpSpPr>
+      <p:sp>
+        <p:nvSpPr>
+          <p:cNvPr id="2" name="Title 1"/>
+          <p:cNvSpPr>
+            <a:spLocks noGrp="1"/>
+          </p:cNvSpPr>
+          <p:nvPr>
+            <p:ph type="title"/>
+          </p:nvPr>
+        </p:nvSpPr>
+        <p:spPr/>
+        <p:txBody>
+          <a:bodyPr/>
+          <a:lstStyle/>
+          <a:p>
+            <a:r>
+              <a:rPr lang="en-US" dirty="0" smtClean="0"/>
+              <a:t>Everything in R is a Function</a:t>
+            </a:r>
+            <a:endParaRPr lang="en-US" dirty="0"/>
+          </a:p>
+        </p:txBody>
+      </p:sp>
+      <p:sp>
+        <p:nvSpPr>
+          <p:cNvPr id="3" name="Content Placeholder 2"/>
+          <p:cNvSpPr>
+            <a:spLocks noGrp="1"/>
+          </p:cNvSpPr>
+          <p:nvPr>
+            <p:ph idx="1"/>
+          </p:nvPr>
+        </p:nvSpPr>
+        <p:spPr/>
+        <p:txBody>
+          <a:bodyPr/>
+          <a:lstStyle/>
+          <a:p>
+            <a:endParaRPr lang="en-US" dirty="0"/>
+          </a:p>
+        </p:txBody>
+      </p:sp>
+    </p:spTree>
+    <p:extLst>
+      <p:ext uri="{BB962C8B-B14F-4D97-AF65-F5344CB8AC3E}">
+        <p14:creationId xmlns:p14="http://schemas.microsoft.com/office/powerpoint/2010/main" val="415928603"/>
       </p:ext>
     </p:extLst>
   </p:cSld>

--- a/Class_3.pptx
+++ b/Class_3.pptx
@@ -5269,7 +5269,37 @@
           <a:bodyPr/>
           <a:lstStyle/>
           <a:p>
-            <a:endParaRPr lang="en-US" dirty="0"/>
+            <a:r>
+              <a:rPr lang="en-US" dirty="0" smtClean="0"/>
+              <a:t>Reactive Datasets are a functions you can call whenever you need a set of actions to occur based off of filters in your application</a:t>
+            </a:r>
+          </a:p>
+          <a:p>
+            <a:r>
+              <a:rPr lang="en-US" dirty="0" smtClean="0"/>
+              <a:t>They should be used ALL of the time</a:t>
+            </a:r>
+          </a:p>
+          <a:p>
+            <a:r>
+              <a:rPr lang="en-US" dirty="0" smtClean="0"/>
+              <a:t>You can call reactive functions within other reactive functions for simple</a:t>
+            </a:r>
+          </a:p>
+          <a:p>
+            <a:r>
+              <a:rPr lang="en-US" dirty="0" smtClean="0"/>
+              <a:t>These go in the server function/files</a:t>
+            </a:r>
+          </a:p>
+          <a:p>
+            <a:r>
+              <a:rPr lang="en-US" dirty="0" smtClean="0"/>
+              <a:t>They are called as any function but with no arguments</a:t>
+            </a:r>
+          </a:p>
+          <a:p>
+            <a:endParaRPr lang="en-US" dirty="0" smtClean="0"/>
           </a:p>
         </p:txBody>
       </p:sp>

--- a/Class_3.pptx
+++ b/Class_3.pptx
@@ -5,7 +5,7 @@
     <p:sldMasterId id="2147483660" r:id="rId1"/>
   </p:sldMasterIdLst>
   <p:notesMasterIdLst>
-    <p:notesMasterId r:id="rId20"/>
+    <p:notesMasterId r:id="rId21"/>
   </p:notesMasterIdLst>
   <p:sldIdLst>
     <p:sldId id="256" r:id="rId2"/>
@@ -26,6 +26,7 @@
     <p:sldId id="271" r:id="rId17"/>
     <p:sldId id="273" r:id="rId18"/>
     <p:sldId id="272" r:id="rId19"/>
+    <p:sldId id="274" r:id="rId20"/>
   </p:sldIdLst>
   <p:sldSz cx="12192000" cy="6858000"/>
   <p:notesSz cx="6858000" cy="9144000"/>
@@ -124,6 +125,11 @@
       </a:defRPr>
     </a:lvl9pPr>
   </p:defaultTextStyle>
+  <p:extLst>
+    <p:ext uri="{EFAFB233-063F-42B5-8137-9DF3F51BA10A}">
+      <p15:sldGuideLst xmlns:p15="http://schemas.microsoft.com/office/powerpoint/2012/main"/>
+    </p:ext>
+  </p:extLst>
 </p:presentation>
 </file>
 
@@ -209,7 +215,7 @@
           <a:p>
             <a:fld id="{938D4364-3465-B44C-B9B8-D1B9E242C2E9}" type="datetimeFigureOut">
               <a:rPr lang="en-US" smtClean="0"/>
-              <a:t>8/13/17</a:t>
+              <a:t>10/15/17</a:t>
             </a:fld>
             <a:endParaRPr lang="en-US"/>
           </a:p>
@@ -646,7 +652,7 @@
           <a:p>
             <a:fld id="{1D9B5F55-B489-004D-80EE-557D08F65D46}" type="datetimeFigureOut">
               <a:rPr lang="en-US" smtClean="0"/>
-              <a:t>8/13/17</a:t>
+              <a:t>10/15/17</a:t>
             </a:fld>
             <a:endParaRPr lang="en-US"/>
           </a:p>
@@ -971,7 +977,7 @@
           <a:p>
             <a:fld id="{1D9B5F55-B489-004D-80EE-557D08F65D46}" type="datetimeFigureOut">
               <a:rPr lang="en-US" smtClean="0"/>
-              <a:t>8/13/17</a:t>
+              <a:t>10/15/17</a:t>
             </a:fld>
             <a:endParaRPr lang="en-US"/>
           </a:p>
@@ -1146,7 +1152,7 @@
           <a:p>
             <a:fld id="{1D9B5F55-B489-004D-80EE-557D08F65D46}" type="datetimeFigureOut">
               <a:rPr lang="en-US" smtClean="0"/>
-              <a:t>8/13/17</a:t>
+              <a:t>10/15/17</a:t>
             </a:fld>
             <a:endParaRPr lang="en-US"/>
           </a:p>
@@ -1311,7 +1317,7 @@
           <a:p>
             <a:fld id="{1D9B5F55-B489-004D-80EE-557D08F65D46}" type="datetimeFigureOut">
               <a:rPr lang="en-US" smtClean="0"/>
-              <a:t>8/13/17</a:t>
+              <a:t>10/15/17</a:t>
             </a:fld>
             <a:endParaRPr lang="en-US"/>
           </a:p>
@@ -1583,7 +1589,7 @@
           <a:p>
             <a:fld id="{1D9B5F55-B489-004D-80EE-557D08F65D46}" type="datetimeFigureOut">
               <a:rPr lang="en-US" smtClean="0"/>
-              <a:t>8/13/17</a:t>
+              <a:t>10/15/17</a:t>
             </a:fld>
             <a:endParaRPr lang="en-US"/>
           </a:p>
@@ -1972,7 +1978,7 @@
           <a:p>
             <a:fld id="{1D9B5F55-B489-004D-80EE-557D08F65D46}" type="datetimeFigureOut">
               <a:rPr lang="en-US" smtClean="0"/>
-              <a:t>8/13/17</a:t>
+              <a:t>10/15/17</a:t>
             </a:fld>
             <a:endParaRPr lang="en-US"/>
           </a:p>
@@ -2444,7 +2450,7 @@
           <a:p>
             <a:fld id="{1D9B5F55-B489-004D-80EE-557D08F65D46}" type="datetimeFigureOut">
               <a:rPr lang="en-US" smtClean="0"/>
-              <a:t>8/13/17</a:t>
+              <a:t>10/15/17</a:t>
             </a:fld>
             <a:endParaRPr lang="en-US"/>
           </a:p>
@@ -2557,7 +2563,7 @@
           <a:p>
             <a:fld id="{1D9B5F55-B489-004D-80EE-557D08F65D46}" type="datetimeFigureOut">
               <a:rPr lang="en-US" smtClean="0"/>
-              <a:t>8/13/17</a:t>
+              <a:t>10/15/17</a:t>
             </a:fld>
             <a:endParaRPr lang="en-US"/>
           </a:p>
@@ -2647,7 +2653,7 @@
           <a:p>
             <a:fld id="{1D9B5F55-B489-004D-80EE-557D08F65D46}" type="datetimeFigureOut">
               <a:rPr lang="en-US" smtClean="0"/>
-              <a:t>8/13/17</a:t>
+              <a:t>10/15/17</a:t>
             </a:fld>
             <a:endParaRPr lang="en-US"/>
           </a:p>
@@ -2988,7 +2994,7 @@
           <a:p>
             <a:fld id="{1D9B5F55-B489-004D-80EE-557D08F65D46}" type="datetimeFigureOut">
               <a:rPr lang="en-US" smtClean="0"/>
-              <a:t>8/13/17</a:t>
+              <a:t>10/15/17</a:t>
             </a:fld>
             <a:endParaRPr lang="en-US"/>
           </a:p>
@@ -3371,7 +3377,7 @@
           <a:p>
             <a:fld id="{1D9B5F55-B489-004D-80EE-557D08F65D46}" type="datetimeFigureOut">
               <a:rPr lang="en-US" smtClean="0"/>
-              <a:t>8/13/17</a:t>
+              <a:t>10/15/17</a:t>
             </a:fld>
             <a:endParaRPr lang="en-US"/>
           </a:p>
@@ -3644,7 +3650,7 @@
           <a:p>
             <a:fld id="{1D9B5F55-B489-004D-80EE-557D08F65D46}" type="datetimeFigureOut">
               <a:rPr lang="en-US" smtClean="0"/>
-              <a:t>8/13/17</a:t>
+              <a:t>10/15/17</a:t>
             </a:fld>
             <a:endParaRPr lang="en-US"/>
           </a:p>
@@ -4767,19 +4773,7 @@
           <a:p>
             <a:r>
               <a:rPr lang="en-US" dirty="0" smtClean="0"/>
-              <a:t>Either a single integer or l</a:t>
-            </a:r>
-            <a:r>
-              <a:rPr lang="en-US" dirty="0" smtClean="0"/>
-              <a:t>ist of 2 </a:t>
-            </a:r>
-            <a:r>
-              <a:rPr lang="en-US" dirty="0" smtClean="0"/>
-              <a:t>c</a:t>
-            </a:r>
-            <a:r>
-              <a:rPr lang="en-US" dirty="0" smtClean="0"/>
-              <a:t>alled separately by input$“</a:t>
+              <a:t>Either a single integer or list of 2 called separately by input$“</a:t>
             </a:r>
             <a:r>
               <a:rPr lang="en-US" dirty="0" err="1" smtClean="0"/>
@@ -4787,15 +4781,7 @@
             </a:r>
             <a:r>
               <a:rPr lang="en-US" dirty="0" smtClean="0"/>
-              <a:t>”</a:t>
-            </a:r>
-            <a:r>
-              <a:rPr lang="en-US" dirty="0" smtClean="0"/>
-              <a:t>[1</a:t>
-            </a:r>
-            <a:r>
-              <a:rPr lang="en-US" dirty="0" smtClean="0"/>
-              <a:t>] and input$“</a:t>
+              <a:t>”[1] and input$“</a:t>
             </a:r>
             <a:r>
               <a:rPr lang="en-US" dirty="0" err="1" smtClean="0"/>
@@ -5199,6 +5185,9 @@
           <a:prstGeom prst="rect">
             <a:avLst/>
           </a:prstGeom>
+          <a:solidFill>
+            <a:schemeClr val="tx1"/>
+          </a:solidFill>
         </p:spPr>
       </p:pic>
     </p:spTree>
@@ -5264,9 +5253,16 @@
             <p:ph idx="1"/>
           </p:nvPr>
         </p:nvSpPr>
-        <p:spPr/>
-        <p:txBody>
-          <a:bodyPr/>
+        <p:spPr>
+          <a:xfrm>
+            <a:off x="1371600" y="2286000"/>
+            <a:ext cx="9601200" cy="4186052"/>
+          </a:xfrm>
+        </p:spPr>
+        <p:txBody>
+          <a:bodyPr>
+            <a:normAutofit/>
+          </a:bodyPr>
           <a:lstStyle/>
           <a:p>
             <a:r>
@@ -5277,7 +5273,7 @@
           <a:p>
             <a:r>
               <a:rPr lang="en-US" dirty="0" smtClean="0"/>
-              <a:t>They should be used ALL of the time</a:t>
+              <a:t>They should be used whenever you are using the same inputs/filters on the same data for multiple outputs/visuals.</a:t>
             </a:r>
           </a:p>
           <a:p>
@@ -5295,8 +5291,31 @@
           <a:p>
             <a:r>
               <a:rPr lang="en-US" dirty="0" smtClean="0"/>
-              <a:t>They are called as any function but with no arguments</a:t>
-            </a:r>
+              <a:t>They are called as any function but with no </a:t>
+            </a:r>
+            <a:r>
+              <a:rPr lang="en-US" dirty="0" smtClean="0"/>
+              <a:t>arguments</a:t>
+            </a:r>
+          </a:p>
+          <a:p>
+            <a:r>
+              <a:rPr lang="en-US" dirty="0" smtClean="0"/>
+              <a:t>Caches results to speed up loading</a:t>
+            </a:r>
+          </a:p>
+          <a:p>
+            <a:r>
+              <a:rPr lang="en-US" dirty="0" smtClean="0"/>
+              <a:t>Ensures your visuals are all showing the same information</a:t>
+            </a:r>
+          </a:p>
+          <a:p>
+            <a:r>
+              <a:rPr lang="en-US" dirty="0" smtClean="0"/>
+              <a:t>Shorter more legible code</a:t>
+            </a:r>
+            <a:endParaRPr lang="en-US" dirty="0" smtClean="0"/>
           </a:p>
           <a:p>
             <a:endParaRPr lang="en-US" dirty="0" smtClean="0"/>
@@ -5307,6 +5326,154 @@
     <p:extLst>
       <p:ext uri="{BB962C8B-B14F-4D97-AF65-F5344CB8AC3E}">
         <p14:creationId xmlns:p14="http://schemas.microsoft.com/office/powerpoint/2010/main" val="415928603"/>
+      </p:ext>
+    </p:extLst>
+  </p:cSld>
+  <p:clrMapOvr>
+    <a:masterClrMapping/>
+  </p:clrMapOvr>
+</p:sld>
+</file>
+
+<file path=ppt/slides/slide19.xml><?xml version="1.0" encoding="utf-8"?>
+<p:sld xmlns:a="http://schemas.openxmlformats.org/drawingml/2006/main" xmlns:r="http://schemas.openxmlformats.org/officeDocument/2006/relationships" xmlns:p="http://schemas.openxmlformats.org/presentationml/2006/main">
+  <p:cSld>
+    <p:spTree>
+      <p:nvGrpSpPr>
+        <p:cNvPr id="1" name=""/>
+        <p:cNvGrpSpPr/>
+        <p:nvPr/>
+      </p:nvGrpSpPr>
+      <p:grpSpPr>
+        <a:xfrm>
+          <a:off x="0" y="0"/>
+          <a:ext cx="0" cy="0"/>
+          <a:chOff x="0" y="0"/>
+          <a:chExt cx="0" cy="0"/>
+        </a:xfrm>
+      </p:grpSpPr>
+      <p:sp>
+        <p:nvSpPr>
+          <p:cNvPr id="2" name="Title 1"/>
+          <p:cNvSpPr>
+            <a:spLocks noGrp="1"/>
+          </p:cNvSpPr>
+          <p:nvPr>
+            <p:ph type="title"/>
+          </p:nvPr>
+        </p:nvSpPr>
+        <p:spPr/>
+        <p:txBody>
+          <a:bodyPr/>
+          <a:lstStyle/>
+          <a:p>
+            <a:r>
+              <a:rPr lang="en-US" dirty="0" smtClean="0"/>
+              <a:t>Reactive Example</a:t>
+            </a:r>
+            <a:endParaRPr lang="en-US" dirty="0"/>
+          </a:p>
+        </p:txBody>
+      </p:sp>
+      <p:sp>
+        <p:nvSpPr>
+          <p:cNvPr id="3" name="Content Placeholder 2"/>
+          <p:cNvSpPr>
+            <a:spLocks noGrp="1"/>
+          </p:cNvSpPr>
+          <p:nvPr>
+            <p:ph sz="half" idx="1"/>
+          </p:nvPr>
+        </p:nvSpPr>
+        <p:spPr>
+          <a:xfrm>
+            <a:off x="1371600" y="2286000"/>
+            <a:ext cx="5181600" cy="2226624"/>
+          </a:xfrm>
+        </p:spPr>
+        <p:txBody>
+          <a:bodyPr/>
+          <a:lstStyle/>
+          <a:p>
+            <a:r>
+              <a:rPr lang="en-US" dirty="0" smtClean="0"/>
+              <a:t>Using our Shiny Dashboard from last week we have a bunch of plots and info boxes using the same data and filters.</a:t>
+            </a:r>
+          </a:p>
+          <a:p>
+            <a:r>
+              <a:rPr lang="en-US" dirty="0" smtClean="0"/>
+              <a:t>If we add reactive functions we can call the filtered data automatically in each output.</a:t>
+            </a:r>
+          </a:p>
+          <a:p>
+            <a:endParaRPr lang="en-US" dirty="0"/>
+          </a:p>
+        </p:txBody>
+      </p:sp>
+      <p:pic>
+        <p:nvPicPr>
+          <p:cNvPr id="5" name="Content Placeholder 4"/>
+          <p:cNvPicPr>
+            <a:picLocks noGrp="1" noChangeAspect="1"/>
+          </p:cNvPicPr>
+          <p:nvPr>
+            <p:ph sz="half" idx="2"/>
+          </p:nvPr>
+        </p:nvPicPr>
+        <p:blipFill>
+          <a:blip r:embed="rId2">
+            <a:extLst>
+              <a:ext uri="{28A0092B-C50C-407E-A947-70E740481C1C}">
+                <a14:useLocalDpi xmlns:a14="http://schemas.microsoft.com/office/drawing/2010/main" val="0"/>
+              </a:ext>
+            </a:extLst>
+          </a:blip>
+          <a:stretch>
+            <a:fillRect/>
+          </a:stretch>
+        </p:blipFill>
+        <p:spPr>
+          <a:xfrm>
+            <a:off x="6727825" y="1707387"/>
+            <a:ext cx="4448175" cy="1826092"/>
+          </a:xfrm>
+        </p:spPr>
+      </p:pic>
+      <p:pic>
+        <p:nvPicPr>
+          <p:cNvPr id="6" name="Picture 5"/>
+          <p:cNvPicPr>
+            <a:picLocks noChangeAspect="1"/>
+          </p:cNvPicPr>
+          <p:nvPr/>
+        </p:nvPicPr>
+        <p:blipFill>
+          <a:blip r:embed="rId3">
+            <a:extLst>
+              <a:ext uri="{28A0092B-C50C-407E-A947-70E740481C1C}">
+                <a14:useLocalDpi xmlns:a14="http://schemas.microsoft.com/office/drawing/2010/main" val="0"/>
+              </a:ext>
+            </a:extLst>
+          </a:blip>
+          <a:stretch>
+            <a:fillRect/>
+          </a:stretch>
+        </p:blipFill>
+        <p:spPr>
+          <a:xfrm>
+            <a:off x="1698625" y="4617212"/>
+            <a:ext cx="10058400" cy="1936710"/>
+          </a:xfrm>
+          <a:prstGeom prst="rect">
+            <a:avLst/>
+          </a:prstGeom>
+        </p:spPr>
+      </p:pic>
+    </p:spTree>
+    <p:extLst>
+      <p:ext uri="{BB962C8B-B14F-4D97-AF65-F5344CB8AC3E}">
+        <p14:creationId xmlns:p14="http://schemas.microsoft.com/office/powerpoint/2010/main" val="1509026702"/>
       </p:ext>
     </p:extLst>
   </p:cSld>
@@ -5399,7 +5566,19 @@
           <a:p>
             <a:r>
               <a:rPr lang="en-US" dirty="0" smtClean="0"/>
-              <a:t>Inputs can even be entire files</a:t>
+              <a:t>Inputs can even be entire </a:t>
+            </a:r>
+            <a:r>
+              <a:rPr lang="en-US" dirty="0" smtClean="0"/>
+              <a:t>files, images, </a:t>
+            </a:r>
+            <a:r>
+              <a:rPr lang="en-US" dirty="0" err="1" smtClean="0"/>
+              <a:t>urls</a:t>
+            </a:r>
+            <a:r>
+              <a:rPr lang="en-US" dirty="0" smtClean="0"/>
+              <a:t> etc.</a:t>
             </a:r>
             <a:endParaRPr lang="en-US" dirty="0"/>
           </a:p>
@@ -5875,19 +6054,7 @@
           <a:p>
             <a:r>
               <a:rPr lang="en-US" dirty="0" smtClean="0"/>
-              <a:t>Either a single integer or l</a:t>
-            </a:r>
-            <a:r>
-              <a:rPr lang="en-US" dirty="0" smtClean="0"/>
-              <a:t>ist of 2 </a:t>
-            </a:r>
-            <a:r>
-              <a:rPr lang="en-US" dirty="0" smtClean="0"/>
-              <a:t>c</a:t>
-            </a:r>
-            <a:r>
-              <a:rPr lang="en-US" dirty="0" smtClean="0"/>
-              <a:t>alled separately by input$“</a:t>
+              <a:t>Either a single integer or list of 2 called separately by input$“</a:t>
             </a:r>
             <a:r>
               <a:rPr lang="en-US" dirty="0" err="1" smtClean="0"/>
@@ -5895,11 +6062,7 @@
             </a:r>
             <a:r>
               <a:rPr lang="en-US" dirty="0" smtClean="0"/>
-              <a:t>”</a:t>
-            </a:r>
-            <a:r>
-              <a:rPr lang="en-US" dirty="0" smtClean="0"/>
-              <a:t>[1</a:t>
+              <a:t>”[1</a:t>
             </a:r>
             <a:r>
               <a:rPr lang="en-US" dirty="0"/>
